--- a/prezentacja.pptx
+++ b/prezentacja.pptx
@@ -5,7 +5,7 @@
     <p:sldMasterId id="2147483649" r:id="rId1"/>
   </p:sldMasterIdLst>
   <p:notesMasterIdLst>
-    <p:notesMasterId r:id="rId13"/>
+    <p:notesMasterId r:id="rId14"/>
   </p:notesMasterIdLst>
   <p:sldIdLst>
     <p:sldId id="256" r:id="rId2"/>
@@ -19,6 +19,7 @@
     <p:sldId id="272" r:id="rId10"/>
     <p:sldId id="274" r:id="rId11"/>
     <p:sldId id="262" r:id="rId12"/>
+    <p:sldId id="275" r:id="rId13"/>
   </p:sldIdLst>
   <p:sldSz cx="10680700" cy="7556500"/>
   <p:notesSz cx="6858000" cy="9144000"/>
@@ -495,6 +496,858 @@
     </a:lvl9pPr>
   </p:notesStyle>
 </p:notesMaster>
+</file>
+
+<file path=ppt/notesSlides/notesSlide1.xml><?xml version="1.0" encoding="utf-8"?>
+<p:notes xmlns:a="http://schemas.openxmlformats.org/drawingml/2006/main" xmlns:r="http://schemas.openxmlformats.org/officeDocument/2006/relationships" xmlns:p="http://schemas.openxmlformats.org/presentationml/2006/main">
+  <p:cSld>
+    <p:spTree>
+      <p:nvGrpSpPr>
+        <p:cNvPr id="1" name=""/>
+        <p:cNvGrpSpPr/>
+        <p:nvPr/>
+      </p:nvGrpSpPr>
+      <p:grpSpPr>
+        <a:xfrm>
+          <a:off x="0" y="0"/>
+          <a:ext cx="0" cy="0"/>
+          <a:chOff x="0" y="0"/>
+          <a:chExt cx="0" cy="0"/>
+        </a:xfrm>
+      </p:grpSpPr>
+      <p:sp>
+        <p:nvSpPr>
+          <p:cNvPr id="2" name="Slide Image Placeholder 1"/>
+          <p:cNvSpPr>
+            <a:spLocks noGrp="1" noRot="1" noChangeAspect="1"/>
+          </p:cNvSpPr>
+          <p:nvPr>
+            <p:ph type="sldImg"/>
+          </p:nvPr>
+        </p:nvSpPr>
+        <p:spPr>
+          <a:xfrm>
+            <a:off x="1006475" y="685800"/>
+            <a:ext cx="4845050" cy="3429000"/>
+          </a:xfrm>
+        </p:spPr>
+      </p:sp>
+      <p:sp>
+        <p:nvSpPr>
+          <p:cNvPr id="3" name="Notes Placeholder 2"/>
+          <p:cNvSpPr>
+            <a:spLocks noGrp="1"/>
+          </p:cNvSpPr>
+          <p:nvPr>
+            <p:ph type="body" idx="1"/>
+          </p:nvPr>
+        </p:nvSpPr>
+        <p:spPr/>
+        <p:txBody>
+          <a:bodyPr/>
+          <a:lstStyle/>
+          <a:p>
+            <a:pPr marL="0" marR="0" indent="0" algn="l" defTabSz="914400" rtl="0" eaLnBrk="0" fontAlgn="base" latinLnBrk="0" hangingPunct="0">
+              <a:lnSpc>
+                <a:spcPct val="100000"/>
+              </a:lnSpc>
+              <a:spcBef>
+                <a:spcPct val="0"/>
+              </a:spcBef>
+              <a:spcAft>
+                <a:spcPct val="0"/>
+              </a:spcAft>
+              <a:buClrTx/>
+              <a:buSzTx/>
+              <a:buFontTx/>
+              <a:buNone/>
+              <a:tabLst/>
+              <a:defRPr/>
+            </a:pPr>
+            <a:r>
+              <a:rPr lang="pl-PL" dirty="0" smtClean="0"/>
+              <a:t>Tematem</a:t>
+            </a:r>
+            <a:r>
+              <a:rPr lang="pl-PL" baseline="0" dirty="0" smtClean="0"/>
+              <a:t> mojej pracy było „</a:t>
+            </a:r>
+            <a:r>
+              <a:rPr lang="pl-PL" altLang="pl-PL" sz="1800" dirty="0" smtClean="0"/>
+              <a:t>Wykorzystanie systemu operacyjnego Linux we wbudowanych systemach wizyjnych zrealizowanych na platformie Zynq</a:t>
+            </a:r>
+            <a:r>
+              <a:rPr lang="pl-PL" baseline="0" dirty="0" smtClean="0"/>
+              <a:t>”, a zadania wykonywałem pod opieką dr Tomasza Kryjaka.</a:t>
+            </a:r>
+            <a:endParaRPr lang="en-US" dirty="0"/>
+          </a:p>
+        </p:txBody>
+      </p:sp>
+    </p:spTree>
+    <p:extLst>
+      <p:ext uri="{BB962C8B-B14F-4D97-AF65-F5344CB8AC3E}">
+        <p14:creationId xmlns:p14="http://schemas.microsoft.com/office/powerpoint/2010/main" val="419815072"/>
+      </p:ext>
+    </p:extLst>
+  </p:cSld>
+  <p:clrMapOvr>
+    <a:masterClrMapping/>
+  </p:clrMapOvr>
+</p:notes>
+</file>
+
+<file path=ppt/notesSlides/notesSlide10.xml><?xml version="1.0" encoding="utf-8"?>
+<p:notes xmlns:a="http://schemas.openxmlformats.org/drawingml/2006/main" xmlns:r="http://schemas.openxmlformats.org/officeDocument/2006/relationships" xmlns:p="http://schemas.openxmlformats.org/presentationml/2006/main">
+  <p:cSld>
+    <p:spTree>
+      <p:nvGrpSpPr>
+        <p:cNvPr id="1" name=""/>
+        <p:cNvGrpSpPr/>
+        <p:nvPr/>
+      </p:nvGrpSpPr>
+      <p:grpSpPr>
+        <a:xfrm>
+          <a:off x="0" y="0"/>
+          <a:ext cx="0" cy="0"/>
+          <a:chOff x="0" y="0"/>
+          <a:chExt cx="0" cy="0"/>
+        </a:xfrm>
+      </p:grpSpPr>
+      <p:sp>
+        <p:nvSpPr>
+          <p:cNvPr id="2" name="Slide Image Placeholder 1"/>
+          <p:cNvSpPr>
+            <a:spLocks noGrp="1" noRot="1" noChangeAspect="1"/>
+          </p:cNvSpPr>
+          <p:nvPr>
+            <p:ph type="sldImg"/>
+          </p:nvPr>
+        </p:nvSpPr>
+        <p:spPr>
+          <a:xfrm>
+            <a:off x="1006475" y="685800"/>
+            <a:ext cx="4845050" cy="3429000"/>
+          </a:xfrm>
+        </p:spPr>
+      </p:sp>
+      <p:sp>
+        <p:nvSpPr>
+          <p:cNvPr id="3" name="Notes Placeholder 2"/>
+          <p:cNvSpPr>
+            <a:spLocks noGrp="1"/>
+          </p:cNvSpPr>
+          <p:nvPr>
+            <p:ph type="body" idx="1"/>
+          </p:nvPr>
+        </p:nvSpPr>
+        <p:spPr/>
+        <p:txBody>
+          <a:bodyPr/>
+          <a:lstStyle/>
+          <a:p>
+            <a:r>
+              <a:rPr lang="pl-PL" dirty="0" smtClean="0"/>
+              <a:t>Zaprojektowałem</a:t>
+            </a:r>
+            <a:r>
+              <a:rPr lang="pl-PL" baseline="0" dirty="0" smtClean="0"/>
+              <a:t> modułu logiki programowalnej i aplikację wykorzystującą interfejs www. Ze względu na trudności implementacyjne, nie udało się zrealizować kompletnego systemu wizyjnego. Zrzut ekranu przedstawia „wizualizację” pracy interfejsu www przy użyciu klatek obrazu uzyskanych z modelu programowego algorytmu.</a:t>
+            </a:r>
+            <a:endParaRPr lang="en-US" dirty="0"/>
+          </a:p>
+        </p:txBody>
+      </p:sp>
+    </p:spTree>
+    <p:extLst>
+      <p:ext uri="{BB962C8B-B14F-4D97-AF65-F5344CB8AC3E}">
+        <p14:creationId xmlns:p14="http://schemas.microsoft.com/office/powerpoint/2010/main" val="410396074"/>
+      </p:ext>
+    </p:extLst>
+  </p:cSld>
+  <p:clrMapOvr>
+    <a:masterClrMapping/>
+  </p:clrMapOvr>
+</p:notes>
+</file>
+
+<file path=ppt/notesSlides/notesSlide2.xml><?xml version="1.0" encoding="utf-8"?>
+<p:notes xmlns:a="http://schemas.openxmlformats.org/drawingml/2006/main" xmlns:r="http://schemas.openxmlformats.org/officeDocument/2006/relationships" xmlns:p="http://schemas.openxmlformats.org/presentationml/2006/main">
+  <p:cSld>
+    <p:spTree>
+      <p:nvGrpSpPr>
+        <p:cNvPr id="1" name=""/>
+        <p:cNvGrpSpPr/>
+        <p:nvPr/>
+      </p:nvGrpSpPr>
+      <p:grpSpPr>
+        <a:xfrm>
+          <a:off x="0" y="0"/>
+          <a:ext cx="0" cy="0"/>
+          <a:chOff x="0" y="0"/>
+          <a:chExt cx="0" cy="0"/>
+        </a:xfrm>
+      </p:grpSpPr>
+      <p:sp>
+        <p:nvSpPr>
+          <p:cNvPr id="2" name="Slide Image Placeholder 1"/>
+          <p:cNvSpPr>
+            <a:spLocks noGrp="1" noRot="1" noChangeAspect="1"/>
+          </p:cNvSpPr>
+          <p:nvPr>
+            <p:ph type="sldImg"/>
+          </p:nvPr>
+        </p:nvSpPr>
+        <p:spPr>
+          <a:xfrm>
+            <a:off x="1006475" y="685800"/>
+            <a:ext cx="4845050" cy="3429000"/>
+          </a:xfrm>
+        </p:spPr>
+      </p:sp>
+      <p:sp>
+        <p:nvSpPr>
+          <p:cNvPr id="3" name="Notes Placeholder 2"/>
+          <p:cNvSpPr>
+            <a:spLocks noGrp="1"/>
+          </p:cNvSpPr>
+          <p:nvPr>
+            <p:ph type="body" idx="1"/>
+          </p:nvPr>
+        </p:nvSpPr>
+        <p:spPr/>
+        <p:txBody>
+          <a:bodyPr/>
+          <a:lstStyle/>
+          <a:p>
+            <a:r>
+              <a:rPr lang="pl-PL" dirty="0" smtClean="0"/>
+              <a:t>1. Zbadałem możliwości</a:t>
+            </a:r>
+            <a:r>
+              <a:rPr lang="pl-PL" baseline="0" dirty="0" smtClean="0"/>
+              <a:t> użycia układu Zynq do realizacji aplikacji wizyjnych, rozpatrzyłem jego wady i zalety w tym kontekście.</a:t>
+            </a:r>
+            <a:r>
+              <a:rPr lang="pl-PL" dirty="0" smtClean="0"/>
+              <a:t/>
+            </a:r>
+            <a:br>
+              <a:rPr lang="pl-PL" dirty="0" smtClean="0"/>
+            </a:br>
+            <a:r>
+              <a:rPr lang="pl-PL" dirty="0" smtClean="0"/>
+              <a:t>2</a:t>
+            </a:r>
+            <a:r>
+              <a:rPr lang="pl-PL" baseline="0" dirty="0" smtClean="0"/>
+              <a:t>. Oceniłem możliwości integracji pomiędzy układem FPGA i procesorem i zaprezentowałem przykładowe aplikacje wizyjne korzystające z proponowanych technik.</a:t>
+            </a:r>
+            <a:r>
+              <a:rPr lang="pl-PL" dirty="0" smtClean="0"/>
+              <a:t/>
+            </a:r>
+            <a:br>
+              <a:rPr lang="pl-PL" dirty="0" smtClean="0"/>
+            </a:br>
+            <a:r>
+              <a:rPr lang="pl-PL" dirty="0" smtClean="0"/>
+              <a:t>3. Zebrałem informacje teoretyczne</a:t>
+            </a:r>
+            <a:r>
+              <a:rPr lang="pl-PL" baseline="0" dirty="0" smtClean="0"/>
+              <a:t> na temat badanych funkcjonalności, a także zaprezentowałem szczegóły praktyczne w formie instrukcji konfiguracji – czyli tzn. „tutoriali”.</a:t>
+            </a:r>
+            <a:endParaRPr lang="en-US" dirty="0"/>
+          </a:p>
+        </p:txBody>
+      </p:sp>
+    </p:spTree>
+    <p:extLst>
+      <p:ext uri="{BB962C8B-B14F-4D97-AF65-F5344CB8AC3E}">
+        <p14:creationId xmlns:p14="http://schemas.microsoft.com/office/powerpoint/2010/main" val="1476438071"/>
+      </p:ext>
+    </p:extLst>
+  </p:cSld>
+  <p:clrMapOvr>
+    <a:masterClrMapping/>
+  </p:clrMapOvr>
+</p:notes>
+</file>
+
+<file path=ppt/notesSlides/notesSlide3.xml><?xml version="1.0" encoding="utf-8"?>
+<p:notes xmlns:a="http://schemas.openxmlformats.org/drawingml/2006/main" xmlns:r="http://schemas.openxmlformats.org/officeDocument/2006/relationships" xmlns:p="http://schemas.openxmlformats.org/presentationml/2006/main">
+  <p:cSld>
+    <p:spTree>
+      <p:nvGrpSpPr>
+        <p:cNvPr id="1" name=""/>
+        <p:cNvGrpSpPr/>
+        <p:nvPr/>
+      </p:nvGrpSpPr>
+      <p:grpSpPr>
+        <a:xfrm>
+          <a:off x="0" y="0"/>
+          <a:ext cx="0" cy="0"/>
+          <a:chOff x="0" y="0"/>
+          <a:chExt cx="0" cy="0"/>
+        </a:xfrm>
+      </p:grpSpPr>
+      <p:sp>
+        <p:nvSpPr>
+          <p:cNvPr id="2" name="Slide Image Placeholder 1"/>
+          <p:cNvSpPr>
+            <a:spLocks noGrp="1" noRot="1" noChangeAspect="1"/>
+          </p:cNvSpPr>
+          <p:nvPr>
+            <p:ph type="sldImg"/>
+          </p:nvPr>
+        </p:nvSpPr>
+        <p:spPr>
+          <a:xfrm>
+            <a:off x="1006475" y="685800"/>
+            <a:ext cx="4845050" cy="3429000"/>
+          </a:xfrm>
+        </p:spPr>
+      </p:sp>
+      <p:sp>
+        <p:nvSpPr>
+          <p:cNvPr id="3" name="Notes Placeholder 2"/>
+          <p:cNvSpPr>
+            <a:spLocks noGrp="1"/>
+          </p:cNvSpPr>
+          <p:nvPr>
+            <p:ph type="body" idx="1"/>
+          </p:nvPr>
+        </p:nvSpPr>
+        <p:spPr/>
+        <p:txBody>
+          <a:bodyPr/>
+          <a:lstStyle/>
+          <a:p>
+            <a:r>
+              <a:rPr lang="pl-PL" dirty="0" smtClean="0"/>
+              <a:t>Procesory sekwencyjne</a:t>
+            </a:r>
+            <a:r>
+              <a:rPr lang="pl-PL" baseline="0" dirty="0" smtClean="0"/>
+              <a:t> i układy FPGA wymagają zastosowania innych technik projektowania aplikacji, a każda z tych platform oferuje inne zalety i wady.</a:t>
+            </a:r>
+          </a:p>
+          <a:p>
+            <a:r>
+              <a:rPr lang="pl-PL" baseline="0" dirty="0" smtClean="0"/>
+              <a:t>Układy FPGA zbudowane są podobnie do standardowych układów elektronicznych – zadania obliczeniowe wykonywane są równolegle, a maksymalną wydajność uzyskać można dzięki wykorzystaniu techniki potokowej realizacji zadań. Podejście to uniemożliwia jednak, lub poważnie utrudnia, realizację częśli algorytmów, zwłaszcza takich, które wymagają przechowywania kontekstu w pamięci lub wykorzystujących pętle i skoki warunkowe.</a:t>
+            </a:r>
+          </a:p>
+          <a:p>
+            <a:endParaRPr lang="pl-PL" baseline="0" dirty="0" smtClean="0"/>
+          </a:p>
+          <a:p>
+            <a:r>
+              <a:rPr lang="pl-PL" baseline="0" dirty="0" smtClean="0"/>
+              <a:t>CPU pozwala natomiast wykorzystać szeroki zasób dostępnych bibliotek, w tym OpenCV, zawierającą zbiór algorytmów związanych z przetwarzaniem obrazów, a projektowanie algorytmów może być „prostsze” i bardziej intuicyjne, jednak wydajność wykonania obliczeń będzie o rzędy wielkości mniejsza od architektury potokowej, co może uniemożliwiać realizację zadań obliczeniowych w czasie rzeczywistym.</a:t>
+            </a:r>
+          </a:p>
+        </p:txBody>
+      </p:sp>
+    </p:spTree>
+    <p:extLst>
+      <p:ext uri="{BB962C8B-B14F-4D97-AF65-F5344CB8AC3E}">
+        <p14:creationId xmlns:p14="http://schemas.microsoft.com/office/powerpoint/2010/main" val="2282230794"/>
+      </p:ext>
+    </p:extLst>
+  </p:cSld>
+  <p:clrMapOvr>
+    <a:masterClrMapping/>
+  </p:clrMapOvr>
+</p:notes>
+</file>
+
+<file path=ppt/notesSlides/notesSlide4.xml><?xml version="1.0" encoding="utf-8"?>
+<p:notes xmlns:a="http://schemas.openxmlformats.org/drawingml/2006/main" xmlns:r="http://schemas.openxmlformats.org/officeDocument/2006/relationships" xmlns:p="http://schemas.openxmlformats.org/presentationml/2006/main">
+  <p:cSld>
+    <p:spTree>
+      <p:nvGrpSpPr>
+        <p:cNvPr id="1" name=""/>
+        <p:cNvGrpSpPr/>
+        <p:nvPr/>
+      </p:nvGrpSpPr>
+      <p:grpSpPr>
+        <a:xfrm>
+          <a:off x="0" y="0"/>
+          <a:ext cx="0" cy="0"/>
+          <a:chOff x="0" y="0"/>
+          <a:chExt cx="0" cy="0"/>
+        </a:xfrm>
+      </p:grpSpPr>
+      <p:sp>
+        <p:nvSpPr>
+          <p:cNvPr id="2" name="Slide Image Placeholder 1"/>
+          <p:cNvSpPr>
+            <a:spLocks noGrp="1" noRot="1" noChangeAspect="1"/>
+          </p:cNvSpPr>
+          <p:nvPr>
+            <p:ph type="sldImg"/>
+          </p:nvPr>
+        </p:nvSpPr>
+        <p:spPr>
+          <a:xfrm>
+            <a:off x="1006475" y="685800"/>
+            <a:ext cx="4845050" cy="3429000"/>
+          </a:xfrm>
+        </p:spPr>
+      </p:sp>
+      <p:sp>
+        <p:nvSpPr>
+          <p:cNvPr id="3" name="Notes Placeholder 2"/>
+          <p:cNvSpPr>
+            <a:spLocks noGrp="1"/>
+          </p:cNvSpPr>
+          <p:nvPr>
+            <p:ph type="body" idx="1"/>
+          </p:nvPr>
+        </p:nvSpPr>
+        <p:spPr/>
+        <p:txBody>
+          <a:bodyPr/>
+          <a:lstStyle/>
+          <a:p>
+            <a:r>
+              <a:rPr lang="pl-PL" dirty="0" smtClean="0"/>
+              <a:t>Platforma Zynq integruje</a:t>
+            </a:r>
+            <a:r>
+              <a:rPr lang="pl-PL" baseline="0" dirty="0" smtClean="0"/>
+              <a:t> elementy logiki programowalnej i układu CPU i umożliwia komunikację pomiędzy tymi modułami.</a:t>
+            </a:r>
+          </a:p>
+          <a:p>
+            <a:endParaRPr lang="pl-PL" baseline="0" dirty="0" smtClean="0"/>
+          </a:p>
+          <a:p>
+            <a:r>
+              <a:rPr lang="pl-PL" baseline="0" dirty="0" smtClean="0"/>
+              <a:t>Opis rysunku...</a:t>
+            </a:r>
+            <a:endParaRPr lang="en-US" dirty="0"/>
+          </a:p>
+        </p:txBody>
+      </p:sp>
+    </p:spTree>
+    <p:extLst>
+      <p:ext uri="{BB962C8B-B14F-4D97-AF65-F5344CB8AC3E}">
+        <p14:creationId xmlns:p14="http://schemas.microsoft.com/office/powerpoint/2010/main" val="537229981"/>
+      </p:ext>
+    </p:extLst>
+  </p:cSld>
+  <p:clrMapOvr>
+    <a:masterClrMapping/>
+  </p:clrMapOvr>
+</p:notes>
+</file>
+
+<file path=ppt/notesSlides/notesSlide5.xml><?xml version="1.0" encoding="utf-8"?>
+<p:notes xmlns:a="http://schemas.openxmlformats.org/drawingml/2006/main" xmlns:r="http://schemas.openxmlformats.org/officeDocument/2006/relationships" xmlns:p="http://schemas.openxmlformats.org/presentationml/2006/main">
+  <p:cSld>
+    <p:spTree>
+      <p:nvGrpSpPr>
+        <p:cNvPr id="1" name=""/>
+        <p:cNvGrpSpPr/>
+        <p:nvPr/>
+      </p:nvGrpSpPr>
+      <p:grpSpPr>
+        <a:xfrm>
+          <a:off x="0" y="0"/>
+          <a:ext cx="0" cy="0"/>
+          <a:chOff x="0" y="0"/>
+          <a:chExt cx="0" cy="0"/>
+        </a:xfrm>
+      </p:grpSpPr>
+      <p:sp>
+        <p:nvSpPr>
+          <p:cNvPr id="2" name="Slide Image Placeholder 1"/>
+          <p:cNvSpPr>
+            <a:spLocks noGrp="1" noRot="1" noChangeAspect="1"/>
+          </p:cNvSpPr>
+          <p:nvPr>
+            <p:ph type="sldImg"/>
+          </p:nvPr>
+        </p:nvSpPr>
+        <p:spPr>
+          <a:xfrm>
+            <a:off x="1006475" y="685800"/>
+            <a:ext cx="4845050" cy="3429000"/>
+          </a:xfrm>
+        </p:spPr>
+      </p:sp>
+      <p:sp>
+        <p:nvSpPr>
+          <p:cNvPr id="3" name="Notes Placeholder 2"/>
+          <p:cNvSpPr>
+            <a:spLocks noGrp="1"/>
+          </p:cNvSpPr>
+          <p:nvPr>
+            <p:ph type="body" idx="1"/>
+          </p:nvPr>
+        </p:nvSpPr>
+        <p:spPr/>
+        <p:txBody>
+          <a:bodyPr/>
+          <a:lstStyle/>
+          <a:p>
+            <a:r>
+              <a:rPr lang="pl-PL" dirty="0" smtClean="0"/>
+              <a:t>System</a:t>
+            </a:r>
+            <a:r>
+              <a:rPr lang="pl-PL" baseline="0" dirty="0" smtClean="0"/>
+              <a:t> on a chip – to układ scalony, który zawiera kompletny system elektroniczny. Jego zalety względem kilku niezależnych, współpracujących ze sobą układów to...</a:t>
+            </a:r>
+            <a:endParaRPr lang="en-US" dirty="0"/>
+          </a:p>
+        </p:txBody>
+      </p:sp>
+    </p:spTree>
+    <p:extLst>
+      <p:ext uri="{BB962C8B-B14F-4D97-AF65-F5344CB8AC3E}">
+        <p14:creationId xmlns:p14="http://schemas.microsoft.com/office/powerpoint/2010/main" val="2859693305"/>
+      </p:ext>
+    </p:extLst>
+  </p:cSld>
+  <p:clrMapOvr>
+    <a:masterClrMapping/>
+  </p:clrMapOvr>
+</p:notes>
+</file>
+
+<file path=ppt/notesSlides/notesSlide6.xml><?xml version="1.0" encoding="utf-8"?>
+<p:notes xmlns:a="http://schemas.openxmlformats.org/drawingml/2006/main" xmlns:r="http://schemas.openxmlformats.org/officeDocument/2006/relationships" xmlns:p="http://schemas.openxmlformats.org/presentationml/2006/main">
+  <p:cSld>
+    <p:spTree>
+      <p:nvGrpSpPr>
+        <p:cNvPr id="1" name=""/>
+        <p:cNvGrpSpPr/>
+        <p:nvPr/>
+      </p:nvGrpSpPr>
+      <p:grpSpPr>
+        <a:xfrm>
+          <a:off x="0" y="0"/>
+          <a:ext cx="0" cy="0"/>
+          <a:chOff x="0" y="0"/>
+          <a:chExt cx="0" cy="0"/>
+        </a:xfrm>
+      </p:grpSpPr>
+      <p:sp>
+        <p:nvSpPr>
+          <p:cNvPr id="2" name="Slide Image Placeholder 1"/>
+          <p:cNvSpPr>
+            <a:spLocks noGrp="1" noRot="1" noChangeAspect="1"/>
+          </p:cNvSpPr>
+          <p:nvPr>
+            <p:ph type="sldImg"/>
+          </p:nvPr>
+        </p:nvSpPr>
+        <p:spPr>
+          <a:xfrm>
+            <a:off x="1006475" y="685800"/>
+            <a:ext cx="4845050" cy="3429000"/>
+          </a:xfrm>
+        </p:spPr>
+      </p:sp>
+      <p:sp>
+        <p:nvSpPr>
+          <p:cNvPr id="3" name="Notes Placeholder 2"/>
+          <p:cNvSpPr>
+            <a:spLocks noGrp="1"/>
+          </p:cNvSpPr>
+          <p:nvPr>
+            <p:ph type="body" idx="1"/>
+          </p:nvPr>
+        </p:nvSpPr>
+        <p:spPr/>
+        <p:txBody>
+          <a:bodyPr/>
+          <a:lstStyle/>
+          <a:p>
+            <a:r>
+              <a:rPr lang="pl-PL" dirty="0" smtClean="0"/>
+              <a:t>OS</a:t>
+            </a:r>
+            <a:r>
+              <a:rPr lang="pl-PL" baseline="0" dirty="0" smtClean="0"/>
+              <a:t> – Petalinux, źródła, ubuntu, real-time (OpenAMP)</a:t>
+            </a:r>
+          </a:p>
+          <a:p>
+            <a:r>
+              <a:rPr lang="pl-PL" baseline="0" dirty="0" smtClean="0"/>
+              <a:t>Komunikacja – SSH</a:t>
+            </a:r>
+          </a:p>
+          <a:p>
+            <a:r>
+              <a:rPr lang="pl-PL" baseline="0" dirty="0" smtClean="0"/>
+              <a:t>Obliczenia równoległe – OpenMP, Intel Threading Building Blocks, wątki natywne.</a:t>
+            </a:r>
+            <a:endParaRPr lang="en-US" dirty="0"/>
+          </a:p>
+        </p:txBody>
+      </p:sp>
+    </p:spTree>
+    <p:extLst>
+      <p:ext uri="{BB962C8B-B14F-4D97-AF65-F5344CB8AC3E}">
+        <p14:creationId xmlns:p14="http://schemas.microsoft.com/office/powerpoint/2010/main" val="1613966197"/>
+      </p:ext>
+    </p:extLst>
+  </p:cSld>
+  <p:clrMapOvr>
+    <a:masterClrMapping/>
+  </p:clrMapOvr>
+</p:notes>
+</file>
+
+<file path=ppt/notesSlides/notesSlide7.xml><?xml version="1.0" encoding="utf-8"?>
+<p:notes xmlns:a="http://schemas.openxmlformats.org/drawingml/2006/main" xmlns:r="http://schemas.openxmlformats.org/officeDocument/2006/relationships" xmlns:p="http://schemas.openxmlformats.org/presentationml/2006/main">
+  <p:cSld>
+    <p:spTree>
+      <p:nvGrpSpPr>
+        <p:cNvPr id="1" name=""/>
+        <p:cNvGrpSpPr/>
+        <p:nvPr/>
+      </p:nvGrpSpPr>
+      <p:grpSpPr>
+        <a:xfrm>
+          <a:off x="0" y="0"/>
+          <a:ext cx="0" cy="0"/>
+          <a:chOff x="0" y="0"/>
+          <a:chExt cx="0" cy="0"/>
+        </a:xfrm>
+      </p:grpSpPr>
+      <p:sp>
+        <p:nvSpPr>
+          <p:cNvPr id="2" name="Slide Image Placeholder 1"/>
+          <p:cNvSpPr>
+            <a:spLocks noGrp="1" noRot="1" noChangeAspect="1"/>
+          </p:cNvSpPr>
+          <p:nvPr>
+            <p:ph type="sldImg"/>
+          </p:nvPr>
+        </p:nvSpPr>
+        <p:spPr>
+          <a:xfrm>
+            <a:off x="1006475" y="685800"/>
+            <a:ext cx="4845050" cy="3429000"/>
+          </a:xfrm>
+        </p:spPr>
+      </p:sp>
+      <p:sp>
+        <p:nvSpPr>
+          <p:cNvPr id="3" name="Notes Placeholder 2"/>
+          <p:cNvSpPr>
+            <a:spLocks noGrp="1"/>
+          </p:cNvSpPr>
+          <p:nvPr>
+            <p:ph type="body" idx="1"/>
+          </p:nvPr>
+        </p:nvSpPr>
+        <p:spPr/>
+        <p:txBody>
+          <a:bodyPr/>
+          <a:lstStyle/>
+          <a:p>
+            <a:r>
+              <a:rPr lang="pl-PL" dirty="0" smtClean="0"/>
+              <a:t>Integracja, czyli wykorzystanie zarówno elementów logiki programowalnej</a:t>
+            </a:r>
+            <a:r>
+              <a:rPr lang="pl-PL" baseline="0" dirty="0" smtClean="0"/>
+              <a:t> jak i układu procesorowego, współpracujących w ramach jednej aplikacji wizyjnej.</a:t>
+            </a:r>
+            <a:endParaRPr lang="en-US" dirty="0"/>
+          </a:p>
+        </p:txBody>
+      </p:sp>
+    </p:spTree>
+    <p:extLst>
+      <p:ext uri="{BB962C8B-B14F-4D97-AF65-F5344CB8AC3E}">
+        <p14:creationId xmlns:p14="http://schemas.microsoft.com/office/powerpoint/2010/main" val="686625538"/>
+      </p:ext>
+    </p:extLst>
+  </p:cSld>
+  <p:clrMapOvr>
+    <a:masterClrMapping/>
+  </p:clrMapOvr>
+</p:notes>
+</file>
+
+<file path=ppt/notesSlides/notesSlide8.xml><?xml version="1.0" encoding="utf-8"?>
+<p:notes xmlns:a="http://schemas.openxmlformats.org/drawingml/2006/main" xmlns:r="http://schemas.openxmlformats.org/officeDocument/2006/relationships" xmlns:p="http://schemas.openxmlformats.org/presentationml/2006/main">
+  <p:cSld>
+    <p:spTree>
+      <p:nvGrpSpPr>
+        <p:cNvPr id="1" name=""/>
+        <p:cNvGrpSpPr/>
+        <p:nvPr/>
+      </p:nvGrpSpPr>
+      <p:grpSpPr>
+        <a:xfrm>
+          <a:off x="0" y="0"/>
+          <a:ext cx="0" cy="0"/>
+          <a:chOff x="0" y="0"/>
+          <a:chExt cx="0" cy="0"/>
+        </a:xfrm>
+      </p:grpSpPr>
+      <p:sp>
+        <p:nvSpPr>
+          <p:cNvPr id="2" name="Slide Image Placeholder 1"/>
+          <p:cNvSpPr>
+            <a:spLocks noGrp="1" noRot="1" noChangeAspect="1"/>
+          </p:cNvSpPr>
+          <p:nvPr>
+            <p:ph type="sldImg"/>
+          </p:nvPr>
+        </p:nvSpPr>
+        <p:spPr>
+          <a:xfrm>
+            <a:off x="1006475" y="685800"/>
+            <a:ext cx="4845050" cy="3429000"/>
+          </a:xfrm>
+        </p:spPr>
+      </p:sp>
+      <p:sp>
+        <p:nvSpPr>
+          <p:cNvPr id="3" name="Notes Placeholder 2"/>
+          <p:cNvSpPr>
+            <a:spLocks noGrp="1"/>
+          </p:cNvSpPr>
+          <p:nvPr>
+            <p:ph type="body" idx="1"/>
+          </p:nvPr>
+        </p:nvSpPr>
+        <p:spPr/>
+        <p:txBody>
+          <a:bodyPr/>
+          <a:lstStyle/>
+          <a:p>
+            <a:r>
+              <a:rPr lang="pl-PL" dirty="0" smtClean="0"/>
+              <a:t>Moduł odejmowania, choć obliczeniowo trywialny, może</a:t>
+            </a:r>
+            <a:r>
+              <a:rPr lang="pl-PL" baseline="0" dirty="0" smtClean="0"/>
+              <a:t> być źródłem trudności przy realizacji w logice programowalnej.</a:t>
+            </a:r>
+          </a:p>
+          <a:p>
+            <a:r>
+              <a:rPr lang="pl-PL" baseline="0" dirty="0" smtClean="0"/>
+              <a:t>Odejmowanie ramek wymaga wykorzystania pamięci RAM do przechowywania jednej klatki obrazu.</a:t>
+            </a:r>
+            <a:endParaRPr lang="en-US" dirty="0"/>
+          </a:p>
+        </p:txBody>
+      </p:sp>
+    </p:spTree>
+    <p:extLst>
+      <p:ext uri="{BB962C8B-B14F-4D97-AF65-F5344CB8AC3E}">
+        <p14:creationId xmlns:p14="http://schemas.microsoft.com/office/powerpoint/2010/main" val="3396745474"/>
+      </p:ext>
+    </p:extLst>
+  </p:cSld>
+  <p:clrMapOvr>
+    <a:masterClrMapping/>
+  </p:clrMapOvr>
+</p:notes>
+</file>
+
+<file path=ppt/notesSlides/notesSlide9.xml><?xml version="1.0" encoding="utf-8"?>
+<p:notes xmlns:a="http://schemas.openxmlformats.org/drawingml/2006/main" xmlns:r="http://schemas.openxmlformats.org/officeDocument/2006/relationships" xmlns:p="http://schemas.openxmlformats.org/presentationml/2006/main">
+  <p:cSld>
+    <p:spTree>
+      <p:nvGrpSpPr>
+        <p:cNvPr id="1" name=""/>
+        <p:cNvGrpSpPr/>
+        <p:nvPr/>
+      </p:nvGrpSpPr>
+      <p:grpSpPr>
+        <a:xfrm>
+          <a:off x="0" y="0"/>
+          <a:ext cx="0" cy="0"/>
+          <a:chOff x="0" y="0"/>
+          <a:chExt cx="0" cy="0"/>
+        </a:xfrm>
+      </p:grpSpPr>
+      <p:sp>
+        <p:nvSpPr>
+          <p:cNvPr id="2" name="Slide Image Placeholder 1"/>
+          <p:cNvSpPr>
+            <a:spLocks noGrp="1" noRot="1" noChangeAspect="1"/>
+          </p:cNvSpPr>
+          <p:nvPr>
+            <p:ph type="sldImg"/>
+          </p:nvPr>
+        </p:nvSpPr>
+        <p:spPr>
+          <a:xfrm>
+            <a:off x="1006475" y="685800"/>
+            <a:ext cx="4845050" cy="3429000"/>
+          </a:xfrm>
+        </p:spPr>
+      </p:sp>
+      <p:sp>
+        <p:nvSpPr>
+          <p:cNvPr id="3" name="Notes Placeholder 2"/>
+          <p:cNvSpPr>
+            <a:spLocks noGrp="1"/>
+          </p:cNvSpPr>
+          <p:nvPr>
+            <p:ph type="body" idx="1"/>
+          </p:nvPr>
+        </p:nvSpPr>
+        <p:spPr/>
+        <p:txBody>
+          <a:bodyPr/>
+          <a:lstStyle/>
+          <a:p>
+            <a:r>
+              <a:rPr lang="pl-PL" dirty="0" smtClean="0"/>
+              <a:t>Generacja</a:t>
+            </a:r>
+            <a:r>
+              <a:rPr lang="pl-PL" baseline="0" dirty="0" smtClean="0"/>
+              <a:t> tła również wymaga wykorzystania RAM.</a:t>
+            </a:r>
+          </a:p>
+          <a:p>
+            <a:r>
+              <a:rPr lang="pl-PL" baseline="0" dirty="0" smtClean="0"/>
+              <a:t>Pomysł – generacja tła na FPGA, indeksacja na CPU.</a:t>
+            </a:r>
+          </a:p>
+          <a:p>
+            <a:r>
+              <a:rPr lang="pl-PL" dirty="0" smtClean="0"/>
+              <a:t>Konfiguracja</a:t>
+            </a:r>
+            <a:r>
+              <a:rPr lang="pl-PL" baseline="0" dirty="0" smtClean="0"/>
+              <a:t> i prezentacja wyników przez www.</a:t>
+            </a:r>
+            <a:endParaRPr lang="en-US" dirty="0"/>
+          </a:p>
+        </p:txBody>
+      </p:sp>
+    </p:spTree>
+    <p:extLst>
+      <p:ext uri="{BB962C8B-B14F-4D97-AF65-F5344CB8AC3E}">
+        <p14:creationId xmlns:p14="http://schemas.microsoft.com/office/powerpoint/2010/main" val="1213875174"/>
+      </p:ext>
+    </p:extLst>
+  </p:cSld>
+  <p:clrMapOvr>
+    <a:masterClrMapping/>
+  </p:clrMapOvr>
+</p:notes>
 </file>
 
 <file path=ppt/slideLayouts/slideLayout1.xml><?xml version="1.0" encoding="utf-8"?>
@@ -3066,7 +3919,7 @@
     <p:bg>
       <p:bgPr>
         <a:blipFill dpi="0" rotWithShape="0">
-          <a:blip r:embed="rId2"/>
+          <a:blip r:embed="rId3"/>
           <a:srcRect/>
           <a:stretch>
             <a:fillRect/>
@@ -3470,7 +4323,7 @@
                   <a:srgbClr val="808080"/>
                 </a:solidFill>
               </a:rPr>
-              <a:t>Wojciech </a:t>
+              <a:t>inż. Wojciech </a:t>
             </a:r>
             <a:r>
               <a:rPr lang="pl-PL" altLang="pl-PL" sz="1600" dirty="0" smtClean="0">
@@ -3494,6 +4347,65 @@
           </a:p>
         </p:txBody>
       </p:sp>
+      <p:pic>
+        <p:nvPicPr>
+          <p:cNvPr id="2" name="Picture 1"/>
+          <p:cNvPicPr>
+            <a:picLocks noChangeAspect="1"/>
+          </p:cNvPicPr>
+          <p:nvPr/>
+        </p:nvPicPr>
+        <p:blipFill>
+          <a:blip r:embed="rId4">
+            <a:extLst>
+              <a:ext uri="{28A0092B-C50C-407E-A947-70E740481C1C}">
+                <a14:useLocalDpi xmlns:a14="http://schemas.microsoft.com/office/drawing/2010/main" val="0"/>
+              </a:ext>
+            </a:extLst>
+          </a:blip>
+          <a:stretch>
+            <a:fillRect/>
+          </a:stretch>
+        </p:blipFill>
+        <p:spPr>
+          <a:xfrm>
+            <a:off x="5268342" y="5311640"/>
+            <a:ext cx="3185527" cy="1194573"/>
+          </a:xfrm>
+          <a:prstGeom prst="rect">
+            <a:avLst/>
+          </a:prstGeom>
+        </p:spPr>
+      </p:pic>
+      <p:pic>
+        <p:nvPicPr>
+          <p:cNvPr id="3" name="Picture 2"/>
+          <p:cNvPicPr>
+            <a:picLocks noChangeAspect="1"/>
+          </p:cNvPicPr>
+          <p:nvPr/>
+        </p:nvPicPr>
+        <p:blipFill rotWithShape="1">
+          <a:blip r:embed="rId5" cstate="print">
+            <a:extLst>
+              <a:ext uri="{28A0092B-C50C-407E-A947-70E740481C1C}">
+                <a14:useLocalDpi xmlns:a14="http://schemas.microsoft.com/office/drawing/2010/main" val="0"/>
+              </a:ext>
+            </a:extLst>
+          </a:blip>
+          <a:srcRect l="15761" t="15483" r="16112" b="16391"/>
+          <a:stretch/>
+        </p:blipFill>
+        <p:spPr>
+          <a:xfrm>
+            <a:off x="3396134" y="5188847"/>
+            <a:ext cx="1440161" cy="1440160"/>
+          </a:xfrm>
+          <a:prstGeom prst="rect">
+            <a:avLst/>
+          </a:prstGeom>
+        </p:spPr>
+      </p:pic>
     </p:spTree>
   </p:cSld>
   <p:clrMapOvr>
@@ -3530,7 +4442,7 @@
       <p:sp>
         <p:nvSpPr>
           <p:cNvPr id="4098" name="Prostokąt 2">
-            <a:hlinkClick r:id="rId2"/>
+            <a:hlinkClick r:id="rId3"/>
           </p:cNvPr>
           <p:cNvSpPr>
             <a:spLocks noChangeArrowheads="1"/>
@@ -3695,33 +4607,6 @@
           </a:p>
         </p:txBody>
       </p:sp>
-      <p:sp>
-        <p:nvSpPr>
-          <p:cNvPr id="2" name="Title 1"/>
-          <p:cNvSpPr>
-            <a:spLocks noGrp="1"/>
-          </p:cNvSpPr>
-          <p:nvPr>
-            <p:ph type="title"/>
-          </p:nvPr>
-        </p:nvSpPr>
-        <p:spPr/>
-        <p:txBody>
-          <a:bodyPr/>
-          <a:lstStyle/>
-          <a:p>
-            <a:r>
-              <a:rPr lang="pl-PL" dirty="0" smtClean="0"/>
-              <a:t>Integracja w systemach wizyjnych </a:t>
-            </a:r>
-            <a:r>
-              <a:rPr lang="pl-PL" dirty="0" smtClean="0"/>
-              <a:t>(4)</a:t>
-            </a:r>
-            <a:endParaRPr lang="en-US" dirty="0"/>
-          </a:p>
-        </p:txBody>
-      </p:sp>
       <p:pic>
         <p:nvPicPr>
           <p:cNvPr id="6" name="Picture 5"/>
@@ -3731,7 +4616,7 @@
           <p:nvPr/>
         </p:nvPicPr>
         <p:blipFill>
-          <a:blip r:embed="rId3">
+          <a:blip r:embed="rId4">
             <a:extLst>
               <a:ext uri="{28A0092B-C50C-407E-A947-70E740481C1C}">
                 <a14:useLocalDpi xmlns:a14="http://schemas.microsoft.com/office/drawing/2010/main" val="0"/>
@@ -3779,6 +4664,49 @@
               <a:t>Wyniki na bazie modelu programowego.</a:t>
             </a:r>
             <a:endParaRPr lang="en-US" sz="1600" i="1" dirty="0"/>
+          </a:p>
+        </p:txBody>
+      </p:sp>
+      <p:sp>
+        <p:nvSpPr>
+          <p:cNvPr id="9" name="Title 1"/>
+          <p:cNvSpPr>
+            <a:spLocks noGrp="1"/>
+          </p:cNvSpPr>
+          <p:nvPr>
+            <p:ph type="title"/>
+          </p:nvPr>
+        </p:nvSpPr>
+        <p:spPr>
+          <a:xfrm>
+            <a:off x="735013" y="401638"/>
+            <a:ext cx="9210675" cy="1460500"/>
+          </a:xfrm>
+        </p:spPr>
+        <p:txBody>
+          <a:bodyPr/>
+          <a:lstStyle/>
+          <a:p>
+            <a:r>
+              <a:rPr lang="pl-PL" dirty="0" smtClean="0"/>
+              <a:t>Integracja rozwiązań</a:t>
+            </a:r>
+            <a:br>
+              <a:rPr lang="pl-PL" dirty="0" smtClean="0"/>
+            </a:br>
+            <a:r>
+              <a:rPr lang="pl-PL" dirty="0" smtClean="0"/>
+              <a:t>w systemach </a:t>
+            </a:r>
+            <a:r>
+              <a:rPr lang="pl-PL" dirty="0" smtClean="0"/>
+              <a:t>wizyjnych </a:t>
+            </a:r>
+            <a:r>
+              <a:rPr lang="pl-PL" dirty="0" smtClean="0"/>
+              <a:t>(4)</a:t>
+            </a:r>
+            <a:endParaRPr lang="en-US" dirty="0"/>
           </a:p>
         </p:txBody>
       </p:sp>
@@ -4007,7 +4935,7 @@
           <a:p>
             <a:r>
               <a:rPr lang="pl-PL" dirty="0" smtClean="0"/>
-              <a:t>Podsumowanie</a:t>
+              <a:t>Trudności implementacyjne</a:t>
             </a:r>
             <a:endParaRPr lang="en-US" dirty="0"/>
           </a:p>
@@ -4023,8 +4951,8 @@
         </p:nvSpPr>
         <p:spPr>
           <a:xfrm>
-            <a:off x="587822" y="2482106"/>
-            <a:ext cx="9510266" cy="3520009"/>
+            <a:off x="585217" y="2145136"/>
+            <a:ext cx="9510266" cy="4868440"/>
           </a:xfrm>
           <a:prstGeom prst="rect">
             <a:avLst/>
@@ -4210,19 +5138,34 @@
               <a:rPr lang="pl-PL" sz="2800" dirty="0" smtClean="0">
                 <a:latin typeface="+mj-lt"/>
               </a:rPr>
-              <a:t>Platforma </a:t>
-            </a:r>
-            <a:r>
-              <a:rPr lang="pl-PL" sz="2800" dirty="0" smtClean="0">
-                <a:latin typeface="+mj-lt"/>
-              </a:rPr>
-              <a:t>Zynq pozwala na projektowanie rozwiązań wykorzystujących zalety dwóch architektur</a:t>
-            </a:r>
-            <a:r>
-              <a:rPr lang="pl-PL" sz="2800" dirty="0" smtClean="0">
-                <a:latin typeface="+mj-lt"/>
-              </a:rPr>
-              <a:t>.</a:t>
+              <a:t>Wykorzystanie pamięci RAM przy użyciu AXI.</a:t>
+            </a:r>
+          </a:p>
+          <a:p>
+            <a:pPr>
+              <a:buFont typeface="Arial" panose="020B0604020202020204" pitchFamily="34" charset="0"/>
+              <a:buChar char="•"/>
+            </a:pPr>
+            <a:endParaRPr lang="pl-PL" sz="2800" dirty="0">
+              <a:latin typeface="+mj-lt"/>
+            </a:endParaRPr>
+          </a:p>
+          <a:p>
+            <a:pPr>
+              <a:buFont typeface="Arial" panose="020B0604020202020204" pitchFamily="34" charset="0"/>
+              <a:buChar char="•"/>
+            </a:pPr>
+            <a:r>
+              <a:rPr lang="pl-PL" sz="2800" dirty="0" smtClean="0"/>
+              <a:t>Opóźnienia </a:t>
+            </a:r>
+            <a:r>
+              <a:rPr lang="pl-PL" sz="2800" dirty="0"/>
+              <a:t>prowadzące do zakleszczania </a:t>
+            </a:r>
+            <a:r>
+              <a:rPr lang="pl-PL" sz="2800" dirty="0" smtClean="0"/>
+              <a:t>komunikacji.</a:t>
             </a:r>
           </a:p>
           <a:p>
@@ -4243,8 +5186,11 @@
               <a:rPr lang="pl-PL" sz="2800" dirty="0" smtClean="0">
                 <a:latin typeface="+mj-lt"/>
               </a:rPr>
-              <a:t>Zynq pozwala na realizację algorytmów o wydajności układów FPGA i interaktywności aplikacji systemowych.</a:t>
-            </a:r>
+              <a:t>Synchronizacja strumieni wizyjnych.</a:t>
+            </a:r>
+            <a:endParaRPr lang="pl-PL" sz="2800" dirty="0">
+              <a:latin typeface="+mj-lt"/>
+            </a:endParaRPr>
           </a:p>
           <a:p>
             <a:pPr>
@@ -4264,17 +5210,8 @@
               <a:rPr lang="pl-PL" sz="2800" dirty="0" smtClean="0">
                 <a:latin typeface="+mj-lt"/>
               </a:rPr>
-              <a:t>Realizacja algorytmów wiąże się z szeregiem trudności. </a:t>
-            </a:r>
-            <a:endParaRPr lang="pl-PL" sz="2800" dirty="0" smtClean="0">
-              <a:latin typeface="+mj-lt"/>
-            </a:endParaRPr>
-          </a:p>
-          <a:p>
-            <a:pPr>
-              <a:buFont typeface="Arial" panose="020B0604020202020204" pitchFamily="34" charset="0"/>
-              <a:buChar char="•"/>
-            </a:pPr>
+              <a:t>Ograniczony zasób dokumentacji.</a:t>
+            </a:r>
             <a:endParaRPr lang="pl-PL" sz="2800" dirty="0" smtClean="0">
               <a:latin typeface="+mj-lt"/>
             </a:endParaRPr>
@@ -4304,7 +5241,7 @@
 </p:sld>
 </file>
 
-<file path=ppt/slides/slide2.xml><?xml version="1.0" encoding="utf-8"?>
+<file path=ppt/slides/slide12.xml><?xml version="1.0" encoding="utf-8"?>
 <p:sld xmlns:a="http://schemas.openxmlformats.org/drawingml/2006/main" xmlns:r="http://schemas.openxmlformats.org/officeDocument/2006/relationships" xmlns:p="http://schemas.openxmlformats.org/presentationml/2006/main">
   <p:cSld>
     <p:spTree>
@@ -4506,11 +5443,545 @@
           <a:p>
             <a:r>
               <a:rPr lang="pl-PL" dirty="0" smtClean="0"/>
-              <a:t>Zakres </a:t>
-            </a:r>
+              <a:t>Podsumowanie</a:t>
+            </a:r>
+            <a:endParaRPr lang="en-US" dirty="0"/>
+          </a:p>
+        </p:txBody>
+      </p:sp>
+      <p:sp>
+        <p:nvSpPr>
+          <p:cNvPr id="5" name="Content Placeholder 2"/>
+          <p:cNvSpPr txBox="1">
+            <a:spLocks/>
+          </p:cNvSpPr>
+          <p:nvPr/>
+        </p:nvSpPr>
+        <p:spPr>
+          <a:xfrm>
+            <a:off x="585217" y="1862138"/>
+            <a:ext cx="9510266" cy="5444504"/>
+          </a:xfrm>
+          <a:prstGeom prst="rect">
+            <a:avLst/>
+          </a:prstGeom>
+        </p:spPr>
+        <p:txBody>
+          <a:bodyPr/>
+          <a:lstStyle>
+            <a:lvl1pPr marL="390525" indent="-390525" algn="l" defTabSz="1042988" rtl="0" eaLnBrk="0" fontAlgn="base" hangingPunct="0">
+              <a:spcBef>
+                <a:spcPts val="800"/>
+              </a:spcBef>
+              <a:spcAft>
+                <a:spcPct val="0"/>
+              </a:spcAft>
+              <a:buSzPct val="100000"/>
+              <a:buChar char="»"/>
+              <a:defRPr sz="3600" kern="1200">
+                <a:solidFill>
+                  <a:srgbClr val="000000"/>
+                </a:solidFill>
+                <a:latin typeface="+mn-lt"/>
+                <a:ea typeface="+mn-ea"/>
+                <a:cs typeface="+mn-cs"/>
+                <a:sym typeface="Arial" panose="020B0604020202020204" pitchFamily="34" charset="0"/>
+              </a:defRPr>
+            </a:lvl1pPr>
+            <a:lvl2pPr marL="1254125" indent="-733425" algn="l" defTabSz="1042988" rtl="0" eaLnBrk="0" fontAlgn="base" hangingPunct="0">
+              <a:spcBef>
+                <a:spcPts val="800"/>
+              </a:spcBef>
+              <a:spcAft>
+                <a:spcPct val="0"/>
+              </a:spcAft>
+              <a:buSzPct val="100000"/>
+              <a:buChar char="–"/>
+              <a:defRPr sz="3600" kern="1200">
+                <a:solidFill>
+                  <a:srgbClr val="000000"/>
+                </a:solidFill>
+                <a:latin typeface="+mn-lt"/>
+                <a:ea typeface="+mn-ea"/>
+                <a:cs typeface="+mn-cs"/>
+                <a:sym typeface="Arial" panose="020B0604020202020204" pitchFamily="34" charset="0"/>
+              </a:defRPr>
+            </a:lvl2pPr>
+            <a:lvl3pPr marL="1735138" indent="-692150" algn="l" defTabSz="1042988" rtl="0" eaLnBrk="0" fontAlgn="base" hangingPunct="0">
+              <a:spcBef>
+                <a:spcPts val="800"/>
+              </a:spcBef>
+              <a:spcAft>
+                <a:spcPct val="0"/>
+              </a:spcAft>
+              <a:buSzPct val="100000"/>
+              <a:buChar char="•"/>
+              <a:defRPr sz="3600" kern="1200">
+                <a:solidFill>
+                  <a:srgbClr val="000000"/>
+                </a:solidFill>
+                <a:latin typeface="+mn-lt"/>
+                <a:ea typeface="+mn-ea"/>
+                <a:cs typeface="+mn-cs"/>
+                <a:sym typeface="Arial" panose="020B0604020202020204" pitchFamily="34" charset="0"/>
+              </a:defRPr>
+            </a:lvl3pPr>
+            <a:lvl4pPr marL="2382838" indent="-819150" algn="l" defTabSz="1042988" rtl="0" eaLnBrk="0" fontAlgn="base" hangingPunct="0">
+              <a:spcBef>
+                <a:spcPts val="800"/>
+              </a:spcBef>
+              <a:spcAft>
+                <a:spcPct val="0"/>
+              </a:spcAft>
+              <a:buSzPct val="100000"/>
+              <a:buChar char="–"/>
+              <a:defRPr sz="3600" kern="1200">
+                <a:solidFill>
+                  <a:srgbClr val="000000"/>
+                </a:solidFill>
+                <a:latin typeface="+mn-lt"/>
+                <a:ea typeface="+mn-ea"/>
+                <a:cs typeface="+mn-cs"/>
+                <a:sym typeface="Arial" panose="020B0604020202020204" pitchFamily="34" charset="0"/>
+              </a:defRPr>
+            </a:lvl4pPr>
+            <a:lvl5pPr marL="3127375" indent="-1041400" algn="l" defTabSz="1042988" rtl="0" eaLnBrk="0" fontAlgn="base" hangingPunct="0">
+              <a:spcBef>
+                <a:spcPts val="800"/>
+              </a:spcBef>
+              <a:spcAft>
+                <a:spcPct val="0"/>
+              </a:spcAft>
+              <a:buSzPct val="100000"/>
+              <a:buChar char="»"/>
+              <a:defRPr sz="3600" kern="1200">
+                <a:solidFill>
+                  <a:srgbClr val="000000"/>
+                </a:solidFill>
+                <a:latin typeface="+mn-lt"/>
+                <a:ea typeface="+mn-ea"/>
+                <a:cs typeface="+mn-cs"/>
+                <a:sym typeface="Arial" panose="020B0604020202020204" pitchFamily="34" charset="0"/>
+              </a:defRPr>
+            </a:lvl5pPr>
+            <a:lvl6pPr marL="2514600" indent="-228600" algn="l" defTabSz="914400" rtl="0" eaLnBrk="1" latinLnBrk="0" hangingPunct="1">
+              <a:lnSpc>
+                <a:spcPct val="90000"/>
+              </a:lnSpc>
+              <a:spcBef>
+                <a:spcPts val="500"/>
+              </a:spcBef>
+              <a:buFont typeface="Arial" panose="020B0604020202020204" pitchFamily="34" charset="0"/>
+              <a:buChar char="•"/>
+              <a:defRPr sz="1800" kern="1200">
+                <a:solidFill>
+                  <a:schemeClr val="tx1"/>
+                </a:solidFill>
+                <a:latin typeface="+mn-lt"/>
+                <a:ea typeface="+mn-ea"/>
+                <a:cs typeface="+mn-cs"/>
+              </a:defRPr>
+            </a:lvl6pPr>
+            <a:lvl7pPr marL="2971800" indent="-228600" algn="l" defTabSz="914400" rtl="0" eaLnBrk="1" latinLnBrk="0" hangingPunct="1">
+              <a:lnSpc>
+                <a:spcPct val="90000"/>
+              </a:lnSpc>
+              <a:spcBef>
+                <a:spcPts val="500"/>
+              </a:spcBef>
+              <a:buFont typeface="Arial" panose="020B0604020202020204" pitchFamily="34" charset="0"/>
+              <a:buChar char="•"/>
+              <a:defRPr sz="1800" kern="1200">
+                <a:solidFill>
+                  <a:schemeClr val="tx1"/>
+                </a:solidFill>
+                <a:latin typeface="+mn-lt"/>
+                <a:ea typeface="+mn-ea"/>
+                <a:cs typeface="+mn-cs"/>
+              </a:defRPr>
+            </a:lvl7pPr>
+            <a:lvl8pPr marL="3429000" indent="-228600" algn="l" defTabSz="914400" rtl="0" eaLnBrk="1" latinLnBrk="0" hangingPunct="1">
+              <a:lnSpc>
+                <a:spcPct val="90000"/>
+              </a:lnSpc>
+              <a:spcBef>
+                <a:spcPts val="500"/>
+              </a:spcBef>
+              <a:buFont typeface="Arial" panose="020B0604020202020204" pitchFamily="34" charset="0"/>
+              <a:buChar char="•"/>
+              <a:defRPr sz="1800" kern="1200">
+                <a:solidFill>
+                  <a:schemeClr val="tx1"/>
+                </a:solidFill>
+                <a:latin typeface="+mn-lt"/>
+                <a:ea typeface="+mn-ea"/>
+                <a:cs typeface="+mn-cs"/>
+              </a:defRPr>
+            </a:lvl8pPr>
+            <a:lvl9pPr marL="3886200" indent="-228600" algn="l" defTabSz="914400" rtl="0" eaLnBrk="1" latinLnBrk="0" hangingPunct="1">
+              <a:lnSpc>
+                <a:spcPct val="90000"/>
+              </a:lnSpc>
+              <a:spcBef>
+                <a:spcPts val="500"/>
+              </a:spcBef>
+              <a:buFont typeface="Arial" panose="020B0604020202020204" pitchFamily="34" charset="0"/>
+              <a:buChar char="•"/>
+              <a:defRPr sz="1800" kern="1200">
+                <a:solidFill>
+                  <a:schemeClr val="tx1"/>
+                </a:solidFill>
+                <a:latin typeface="+mn-lt"/>
+                <a:ea typeface="+mn-ea"/>
+                <a:cs typeface="+mn-cs"/>
+              </a:defRPr>
+            </a:lvl9pPr>
+          </a:lstStyle>
+          <a:p>
+            <a:pPr>
+              <a:buFont typeface="Arial" panose="020B0604020202020204" pitchFamily="34" charset="0"/>
+              <a:buChar char="•"/>
+            </a:pPr>
+            <a:r>
+              <a:rPr lang="pl-PL" sz="2800" dirty="0" smtClean="0">
+                <a:latin typeface="+mj-lt"/>
+              </a:rPr>
+              <a:t>Platforma </a:t>
+            </a:r>
+            <a:r>
+              <a:rPr lang="pl-PL" sz="2800" dirty="0" smtClean="0">
+                <a:latin typeface="+mj-lt"/>
+              </a:rPr>
+              <a:t>Zynq umożliwia realizację </a:t>
+            </a:r>
+            <a:r>
+              <a:rPr lang="pl-PL" sz="2800" dirty="0" smtClean="0">
+                <a:latin typeface="+mj-lt"/>
+              </a:rPr>
+              <a:t>algorytmów o wydajności układów FPGA i interaktywności aplikacji systemowych</a:t>
+            </a:r>
+            <a:r>
+              <a:rPr lang="pl-PL" sz="2800" dirty="0" smtClean="0">
+                <a:latin typeface="+mj-lt"/>
+              </a:rPr>
+              <a:t>.</a:t>
+            </a:r>
+            <a:endParaRPr lang="pl-PL" sz="2800" dirty="0" smtClean="0">
+              <a:latin typeface="+mj-lt"/>
+            </a:endParaRPr>
+          </a:p>
+          <a:p>
+            <a:pPr>
+              <a:buFont typeface="Arial" panose="020B0604020202020204" pitchFamily="34" charset="0"/>
+              <a:buChar char="•"/>
+            </a:pPr>
+            <a:r>
+              <a:rPr lang="pl-PL" sz="2800" dirty="0" smtClean="0">
+                <a:latin typeface="+mj-lt"/>
+              </a:rPr>
+              <a:t>Realizacja algorytmów wiąże się z szeregiem </a:t>
+            </a:r>
+            <a:r>
+              <a:rPr lang="pl-PL" sz="2800" dirty="0" smtClean="0">
+                <a:latin typeface="+mj-lt"/>
+              </a:rPr>
+              <a:t>trudności.</a:t>
+            </a:r>
+            <a:endParaRPr lang="pl-PL" sz="2800" dirty="0">
+              <a:latin typeface="+mj-lt"/>
+            </a:endParaRPr>
+          </a:p>
+          <a:p>
+            <a:pPr>
+              <a:buFont typeface="Arial" panose="020B0604020202020204" pitchFamily="34" charset="0"/>
+              <a:buChar char="•"/>
+            </a:pPr>
+            <a:r>
+              <a:rPr lang="pl-PL" sz="2800" dirty="0" smtClean="0">
+                <a:latin typeface="+mj-lt"/>
+              </a:rPr>
+              <a:t>Dalsze kierunki rozwoju:</a:t>
+            </a:r>
+            <a:endParaRPr lang="pl-PL" sz="2800" dirty="0">
+              <a:latin typeface="+mj-lt"/>
+            </a:endParaRPr>
+          </a:p>
+          <a:p>
+            <a:pPr lvl="1">
+              <a:buFont typeface="Arial" panose="020B0604020202020204" pitchFamily="34" charset="0"/>
+              <a:buChar char="•"/>
+            </a:pPr>
+            <a:r>
+              <a:rPr lang="pl-PL" sz="2800" dirty="0" smtClean="0">
+                <a:latin typeface="+mj-lt"/>
+              </a:rPr>
+              <a:t>zastosowanie karty do realizacji złożonych aplikacji wizyjnych,</a:t>
+            </a:r>
+          </a:p>
+          <a:p>
+            <a:pPr lvl="1">
+              <a:buFont typeface="Arial" panose="020B0604020202020204" pitchFamily="34" charset="0"/>
+              <a:buChar char="•"/>
+            </a:pPr>
+            <a:r>
+              <a:rPr lang="pl-PL" sz="2800" dirty="0" smtClean="0">
+                <a:latin typeface="+mj-lt"/>
+              </a:rPr>
+              <a:t>poprawa działania modułu generacji tła,</a:t>
+            </a:r>
+          </a:p>
+          <a:p>
+            <a:pPr lvl="1">
+              <a:buFont typeface="Arial" panose="020B0604020202020204" pitchFamily="34" charset="0"/>
+              <a:buChar char="•"/>
+            </a:pPr>
+            <a:r>
+              <a:rPr lang="pl-PL" sz="2800" dirty="0" smtClean="0">
+                <a:latin typeface="+mj-lt"/>
+              </a:rPr>
+              <a:t>biblioteka modułów logiki programowalnej i w języku C++ przyspieszająca proces prototypowania aplikacji wizyjnych.</a:t>
+            </a:r>
+            <a:endParaRPr lang="pl-PL" sz="2800" dirty="0" smtClean="0">
+              <a:latin typeface="+mj-lt"/>
+            </a:endParaRPr>
+          </a:p>
+          <a:p>
+            <a:pPr>
+              <a:buFont typeface="Arial" panose="020B0604020202020204" pitchFamily="34" charset="0"/>
+              <a:buChar char="•"/>
+            </a:pPr>
+            <a:endParaRPr lang="pl-PL" sz="2800" dirty="0" smtClean="0">
+              <a:latin typeface="+mj-lt"/>
+            </a:endParaRPr>
+          </a:p>
+        </p:txBody>
+      </p:sp>
+    </p:spTree>
+    <p:extLst>
+      <p:ext uri="{BB962C8B-B14F-4D97-AF65-F5344CB8AC3E}">
+        <p14:creationId xmlns:p14="http://schemas.microsoft.com/office/powerpoint/2010/main" val="3089130852"/>
+      </p:ext>
+    </p:extLst>
+  </p:cSld>
+  <p:clrMapOvr>
+    <a:masterClrMapping/>
+  </p:clrMapOvr>
+  <p:transition spd="med">
+    <p:dissolve/>
+  </p:transition>
+  <p:timing>
+    <p:tnLst>
+      <p:par>
+        <p:cTn id="1" dur="indefinite" restart="never" nodeType="tmRoot"/>
+      </p:par>
+    </p:tnLst>
+  </p:timing>
+</p:sld>
+</file>
+
+<file path=ppt/slides/slide2.xml><?xml version="1.0" encoding="utf-8"?>
+<p:sld xmlns:a="http://schemas.openxmlformats.org/drawingml/2006/main" xmlns:r="http://schemas.openxmlformats.org/officeDocument/2006/relationships" xmlns:p="http://schemas.openxmlformats.org/presentationml/2006/main">
+  <p:cSld>
+    <p:spTree>
+      <p:nvGrpSpPr>
+        <p:cNvPr id="1" name=""/>
+        <p:cNvGrpSpPr/>
+        <p:nvPr/>
+      </p:nvGrpSpPr>
+      <p:grpSpPr>
+        <a:xfrm>
+          <a:off x="0" y="0"/>
+          <a:ext cx="0" cy="0"/>
+          <a:chOff x="0" y="0"/>
+          <a:chExt cx="0" cy="0"/>
+        </a:xfrm>
+      </p:grpSpPr>
+      <p:sp>
+        <p:nvSpPr>
+          <p:cNvPr id="4098" name="Prostokąt 2">
+            <a:hlinkClick r:id="rId3"/>
+          </p:cNvPr>
+          <p:cNvSpPr>
+            <a:spLocks noChangeArrowheads="1"/>
+          </p:cNvSpPr>
+          <p:nvPr/>
+        </p:nvSpPr>
+        <p:spPr bwMode="auto">
+          <a:xfrm>
+            <a:off x="8724900" y="7018338"/>
+            <a:ext cx="1800225" cy="431800"/>
+          </a:xfrm>
+          <a:prstGeom prst="rect">
+            <a:avLst/>
+          </a:prstGeom>
+          <a:noFill/>
+          <a:ln>
+            <a:noFill/>
+          </a:ln>
+          <a:extLst>
+            <a:ext uri="{909E8E84-426E-40DD-AFC4-6F175D3DCCD1}">
+              <a14:hiddenFill xmlns:a14="http://schemas.microsoft.com/office/drawing/2010/main">
+                <a:solidFill>
+                  <a:srgbClr val="FFFFFF"/>
+                </a:solidFill>
+              </a14:hiddenFill>
+            </a:ext>
+            <a:ext uri="{91240B29-F687-4F45-9708-019B960494DF}">
+              <a14:hiddenLine xmlns:a14="http://schemas.microsoft.com/office/drawing/2010/main" w="25400" algn="ctr">
+                <a:solidFill>
+                  <a:srgbClr val="000000"/>
+                </a:solidFill>
+                <a:round/>
+                <a:headEnd/>
+                <a:tailEnd/>
+              </a14:hiddenLine>
+            </a:ext>
+          </a:extLst>
+        </p:spPr>
+        <p:txBody>
+          <a:bodyPr lIns="45720" rIns="45720">
+            <a:spAutoFit/>
+          </a:bodyPr>
+          <a:lstStyle>
+            <a:lvl1pPr>
+              <a:defRPr sz="2400">
+                <a:solidFill>
+                  <a:srgbClr val="000000"/>
+                </a:solidFill>
+                <a:latin typeface="Arial" panose="020B0604020202020204" pitchFamily="34" charset="0"/>
+                <a:cs typeface="Arial" panose="020B0604020202020204" pitchFamily="34" charset="0"/>
+                <a:sym typeface="Arial" panose="020B0604020202020204" pitchFamily="34" charset="0"/>
+              </a:defRPr>
+            </a:lvl1pPr>
+            <a:lvl2pPr marL="742950" indent="-285750">
+              <a:defRPr sz="2400">
+                <a:solidFill>
+                  <a:srgbClr val="000000"/>
+                </a:solidFill>
+                <a:latin typeface="Arial" panose="020B0604020202020204" pitchFamily="34" charset="0"/>
+                <a:cs typeface="Arial" panose="020B0604020202020204" pitchFamily="34" charset="0"/>
+                <a:sym typeface="Arial" panose="020B0604020202020204" pitchFamily="34" charset="0"/>
+              </a:defRPr>
+            </a:lvl2pPr>
+            <a:lvl3pPr marL="1143000" indent="-228600">
+              <a:defRPr sz="2400">
+                <a:solidFill>
+                  <a:srgbClr val="000000"/>
+                </a:solidFill>
+                <a:latin typeface="Arial" panose="020B0604020202020204" pitchFamily="34" charset="0"/>
+                <a:cs typeface="Arial" panose="020B0604020202020204" pitchFamily="34" charset="0"/>
+                <a:sym typeface="Arial" panose="020B0604020202020204" pitchFamily="34" charset="0"/>
+              </a:defRPr>
+            </a:lvl3pPr>
+            <a:lvl4pPr marL="1600200" indent="-228600">
+              <a:defRPr sz="2400">
+                <a:solidFill>
+                  <a:srgbClr val="000000"/>
+                </a:solidFill>
+                <a:latin typeface="Arial" panose="020B0604020202020204" pitchFamily="34" charset="0"/>
+                <a:cs typeface="Arial" panose="020B0604020202020204" pitchFamily="34" charset="0"/>
+                <a:sym typeface="Arial" panose="020B0604020202020204" pitchFamily="34" charset="0"/>
+              </a:defRPr>
+            </a:lvl4pPr>
+            <a:lvl5pPr marL="2057400" indent="-228600">
+              <a:defRPr sz="2400">
+                <a:solidFill>
+                  <a:srgbClr val="000000"/>
+                </a:solidFill>
+                <a:latin typeface="Arial" panose="020B0604020202020204" pitchFamily="34" charset="0"/>
+                <a:cs typeface="Arial" panose="020B0604020202020204" pitchFamily="34" charset="0"/>
+                <a:sym typeface="Arial" panose="020B0604020202020204" pitchFamily="34" charset="0"/>
+              </a:defRPr>
+            </a:lvl5pPr>
+            <a:lvl6pPr marL="2514600" indent="-228600" eaLnBrk="0" fontAlgn="base" hangingPunct="0">
+              <a:spcBef>
+                <a:spcPct val="0"/>
+              </a:spcBef>
+              <a:spcAft>
+                <a:spcPct val="0"/>
+              </a:spcAft>
+              <a:defRPr sz="2400">
+                <a:solidFill>
+                  <a:srgbClr val="000000"/>
+                </a:solidFill>
+                <a:latin typeface="Arial" panose="020B0604020202020204" pitchFamily="34" charset="0"/>
+                <a:cs typeface="Arial" panose="020B0604020202020204" pitchFamily="34" charset="0"/>
+                <a:sym typeface="Arial" panose="020B0604020202020204" pitchFamily="34" charset="0"/>
+              </a:defRPr>
+            </a:lvl6pPr>
+            <a:lvl7pPr marL="2971800" indent="-228600" eaLnBrk="0" fontAlgn="base" hangingPunct="0">
+              <a:spcBef>
+                <a:spcPct val="0"/>
+              </a:spcBef>
+              <a:spcAft>
+                <a:spcPct val="0"/>
+              </a:spcAft>
+              <a:defRPr sz="2400">
+                <a:solidFill>
+                  <a:srgbClr val="000000"/>
+                </a:solidFill>
+                <a:latin typeface="Arial" panose="020B0604020202020204" pitchFamily="34" charset="0"/>
+                <a:cs typeface="Arial" panose="020B0604020202020204" pitchFamily="34" charset="0"/>
+                <a:sym typeface="Arial" panose="020B0604020202020204" pitchFamily="34" charset="0"/>
+              </a:defRPr>
+            </a:lvl7pPr>
+            <a:lvl8pPr marL="3429000" indent="-228600" eaLnBrk="0" fontAlgn="base" hangingPunct="0">
+              <a:spcBef>
+                <a:spcPct val="0"/>
+              </a:spcBef>
+              <a:spcAft>
+                <a:spcPct val="0"/>
+              </a:spcAft>
+              <a:defRPr sz="2400">
+                <a:solidFill>
+                  <a:srgbClr val="000000"/>
+                </a:solidFill>
+                <a:latin typeface="Arial" panose="020B0604020202020204" pitchFamily="34" charset="0"/>
+                <a:cs typeface="Arial" panose="020B0604020202020204" pitchFamily="34" charset="0"/>
+                <a:sym typeface="Arial" panose="020B0604020202020204" pitchFamily="34" charset="0"/>
+              </a:defRPr>
+            </a:lvl8pPr>
+            <a:lvl9pPr marL="3886200" indent="-228600" eaLnBrk="0" fontAlgn="base" hangingPunct="0">
+              <a:spcBef>
+                <a:spcPct val="0"/>
+              </a:spcBef>
+              <a:spcAft>
+                <a:spcPct val="0"/>
+              </a:spcAft>
+              <a:defRPr sz="2400">
+                <a:solidFill>
+                  <a:srgbClr val="000000"/>
+                </a:solidFill>
+                <a:latin typeface="Arial" panose="020B0604020202020204" pitchFamily="34" charset="0"/>
+                <a:cs typeface="Arial" panose="020B0604020202020204" pitchFamily="34" charset="0"/>
+                <a:sym typeface="Arial" panose="020B0604020202020204" pitchFamily="34" charset="0"/>
+              </a:defRPr>
+            </a:lvl9pPr>
+          </a:lstStyle>
+          <a:p>
+            <a:pPr eaLnBrk="1"/>
+            <a:endParaRPr lang="pl-PL" altLang="pl-PL"/>
+          </a:p>
+        </p:txBody>
+      </p:sp>
+      <p:sp>
+        <p:nvSpPr>
+          <p:cNvPr id="2" name="Title 1"/>
+          <p:cNvSpPr>
+            <a:spLocks noGrp="1"/>
+          </p:cNvSpPr>
+          <p:nvPr>
+            <p:ph type="title"/>
+          </p:nvPr>
+        </p:nvSpPr>
+        <p:spPr/>
+        <p:txBody>
+          <a:bodyPr/>
+          <a:lstStyle/>
+          <a:p>
             <a:r>
               <a:rPr lang="pl-PL" dirty="0" smtClean="0"/>
-              <a:t>pracy</a:t>
+              <a:t>Zakres pracy</a:t>
             </a:r>
             <a:endParaRPr lang="en-US" dirty="0"/>
           </a:p>
@@ -4529,7 +6000,7 @@
         <p:spPr>
           <a:xfrm>
             <a:off x="735013" y="2194074"/>
-            <a:ext cx="9210675" cy="4107483"/>
+            <a:ext cx="9210675" cy="4824264"/>
           </a:xfrm>
         </p:spPr>
         <p:txBody>
@@ -4544,13 +6015,19 @@
               <a:rPr lang="pl-PL" sz="2800" dirty="0" smtClean="0">
                 <a:latin typeface="+mj-lt"/>
               </a:rPr>
-              <a:t>Analiza możliwości platformy Zynq w konteście systemów </a:t>
+              <a:t>Analiza możliwości platformy Zynq w konteście systemów wizyjnych z </a:t>
             </a:r>
             <a:r>
               <a:rPr lang="pl-PL" sz="2800" dirty="0" smtClean="0">
                 <a:latin typeface="+mj-lt"/>
               </a:rPr>
-              <a:t>wizyjnych z uwzględnieniem PetaLinux.</a:t>
+              <a:t>uwzględnieniem systemu operacyjnego </a:t>
+            </a:r>
+            <a:r>
+              <a:rPr lang="pl-PL" sz="2800" dirty="0" smtClean="0">
+                <a:latin typeface="+mj-lt"/>
+              </a:rPr>
+              <a:t>PetaLinux.</a:t>
             </a:r>
           </a:p>
           <a:p>
@@ -4571,13 +6048,7 @@
               <a:rPr lang="pl-PL" sz="2800" dirty="0" smtClean="0">
                 <a:latin typeface="+mj-lt"/>
               </a:rPr>
-              <a:t>Integracja rozwiązań realizowanych przy użyciu logiki reprogramowalnej z klasycznym oprogramowaniem komputerowym</a:t>
-            </a:r>
-            <a:r>
-              <a:rPr lang="pl-PL" sz="2800" dirty="0" smtClean="0">
-                <a:latin typeface="+mj-lt"/>
-              </a:rPr>
-              <a:t>.</a:t>
+              <a:t>Integracja rozwiązań realizowanych przy użyciu logiki reprogramowalnej z klasycznym oprogramowaniem komputerowym.</a:t>
             </a:r>
           </a:p>
           <a:p>
@@ -4598,11 +6069,20 @@
               <a:rPr lang="pl-PL" sz="2800" dirty="0" smtClean="0">
                 <a:latin typeface="+mj-lt"/>
               </a:rPr>
-              <a:t>Opracowanie zagadnień związanych z konfiguracją układu.</a:t>
-            </a:r>
-            <a:endParaRPr lang="pl-PL" sz="2800" dirty="0" smtClean="0">
-              <a:latin typeface="+mj-lt"/>
-            </a:endParaRPr>
+              <a:t>Opracowanie zagadnień związanych z konfiguracją </a:t>
+            </a:r>
+            <a:r>
+              <a:rPr lang="pl-PL" sz="2800" dirty="0" smtClean="0">
+                <a:latin typeface="+mj-lt"/>
+              </a:rPr>
+              <a:t>funkcjonalności układu</a:t>
+            </a:r>
+            <a:r>
+              <a:rPr lang="pl-PL" sz="2800" dirty="0" smtClean="0">
+                <a:latin typeface="+mj-lt"/>
+              </a:rPr>
+              <a:t>.</a:t>
+            </a:r>
           </a:p>
           <a:p>
             <a:pPr>
@@ -4658,7 +6138,7 @@
       <p:sp>
         <p:nvSpPr>
           <p:cNvPr id="4098" name="Prostokąt 2">
-            <a:hlinkClick r:id="rId2"/>
+            <a:hlinkClick r:id="rId3"/>
           </p:cNvPr>
           <p:cNvSpPr>
             <a:spLocks noChangeArrowheads="1"/>
@@ -4840,11 +6320,7 @@
           <a:p>
             <a:r>
               <a:rPr lang="pl-PL" dirty="0" smtClean="0"/>
-              <a:t>CPU vs FPGA w systemach </a:t>
-            </a:r>
-            <a:r>
-              <a:rPr lang="pl-PL" dirty="0" smtClean="0"/>
-              <a:t>wizyjnych</a:t>
+              <a:t>CPU vs FPGA w systemach wizyjnych</a:t>
             </a:r>
             <a:endParaRPr lang="en-US" dirty="0"/>
           </a:p>
@@ -4902,13 +6378,7 @@
               <a:rPr lang="pl-PL" sz="2800" dirty="0" smtClean="0">
                 <a:latin typeface="+mj-lt"/>
               </a:rPr>
-              <a:t>Trudności </a:t>
-            </a:r>
-            <a:r>
-              <a:rPr lang="pl-PL" sz="2800" dirty="0" smtClean="0">
-                <a:latin typeface="+mj-lt"/>
-              </a:rPr>
-              <a:t>implementacyjne części algorytmów.</a:t>
+              <a:t>Trudności implementacyjne części algorytmów.</a:t>
             </a:r>
           </a:p>
           <a:p>
@@ -4941,13 +6411,7 @@
               <a:rPr lang="pl-PL" sz="2800" dirty="0" smtClean="0">
                 <a:latin typeface="+mj-lt"/>
               </a:rPr>
-              <a:t>Powszechna dostępność rozwiązań </a:t>
-            </a:r>
-            <a:r>
-              <a:rPr lang="pl-PL" sz="2800" dirty="0" smtClean="0">
-                <a:latin typeface="+mj-lt"/>
-              </a:rPr>
-              <a:t>algorytmicznych - OpenCV.</a:t>
+              <a:t>Powszechna dostępność rozwiązań algorytmicznych - OpenCV.</a:t>
             </a:r>
           </a:p>
           <a:p>
@@ -4961,9 +6425,6 @@
               </a:rPr>
               <a:t>„Prostota” realizacji zadań obliczeniowych.</a:t>
             </a:r>
-            <a:endParaRPr lang="pl-PL" sz="2800" dirty="0" smtClean="0">
-              <a:latin typeface="+mj-lt"/>
-            </a:endParaRPr>
           </a:p>
           <a:p>
             <a:pPr lvl="1">
@@ -5019,7 +6480,7 @@
       <p:sp>
         <p:nvSpPr>
           <p:cNvPr id="4098" name="Prostokąt 2">
-            <a:hlinkClick r:id="rId2"/>
+            <a:hlinkClick r:id="rId3"/>
           </p:cNvPr>
           <p:cNvSpPr>
             <a:spLocks noChangeArrowheads="1"/>
@@ -5218,7 +6679,7 @@
           </p:nvPr>
         </p:nvPicPr>
         <p:blipFill>
-          <a:blip r:embed="rId3">
+          <a:blip r:embed="rId4">
             <a:extLst>
               <a:ext uri="{28A0092B-C50C-407E-A947-70E740481C1C}">
                 <a14:useLocalDpi xmlns:a14="http://schemas.microsoft.com/office/drawing/2010/main" val="0"/>
@@ -5313,7 +6774,7 @@
       <p:sp>
         <p:nvSpPr>
           <p:cNvPr id="4098" name="Prostokąt 2">
-            <a:hlinkClick r:id="rId2"/>
+            <a:hlinkClick r:id="rId3"/>
           </p:cNvPr>
           <p:cNvSpPr>
             <a:spLocks noChangeArrowheads="1"/>
@@ -5524,31 +6985,11 @@
               <a:rPr lang="pl-PL" sz="2800" dirty="0" smtClean="0">
                 <a:latin typeface="+mj-lt"/>
               </a:rPr>
-              <a:t>Kombinacja logiki równoległej i </a:t>
-            </a:r>
-            <a:r>
-              <a:rPr lang="pl-PL" sz="2800" dirty="0" smtClean="0">
-                <a:latin typeface="+mj-lt"/>
-              </a:rPr>
-              <a:t>sekwencyjnej</a:t>
-            </a:r>
-            <a:br>
-              <a:rPr lang="pl-PL" sz="2800" dirty="0" smtClean="0">
-                <a:latin typeface="+mj-lt"/>
-              </a:rPr>
-            </a:br>
-            <a:r>
-              <a:rPr lang="pl-PL" sz="2800" dirty="0" smtClean="0">
-                <a:latin typeface="+mj-lt"/>
-              </a:rPr>
-              <a:t>w jednym </a:t>
-            </a:r>
-            <a:r>
-              <a:rPr lang="pl-PL" sz="2800" dirty="0" smtClean="0">
-                <a:latin typeface="+mj-lt"/>
-              </a:rPr>
-              <a:t>układzie.</a:t>
-            </a:r>
+              <a:t>Połączenie logiki programowalnej (obliczenia równoległe) i systemu procesorowego (obliczenia sekwencyjne).</a:t>
+            </a:r>
+            <a:endParaRPr lang="pl-PL" sz="2800" dirty="0" smtClean="0">
+              <a:latin typeface="+mj-lt"/>
+            </a:endParaRPr>
           </a:p>
           <a:p>
             <a:pPr>
@@ -5568,7 +7009,31 @@
               <a:rPr lang="pl-PL" sz="2800" dirty="0" smtClean="0">
                 <a:latin typeface="+mj-lt"/>
               </a:rPr>
-              <a:t>Możliwość uruchomienia systemu operacyjnego lub systemu czasu rzeczywistego.</a:t>
+              <a:t>Możliwość </a:t>
+            </a:r>
+            <a:r>
+              <a:rPr lang="pl-PL" sz="2800" dirty="0" smtClean="0">
+                <a:latin typeface="+mj-lt"/>
+              </a:rPr>
+              <a:t>uruchomienia programu </a:t>
+            </a:r>
+            <a:r>
+              <a:rPr lang="pl-PL" sz="2800" i="1" dirty="0" smtClean="0">
+                <a:latin typeface="+mj-lt"/>
+              </a:rPr>
+              <a:t>bare-metal</a:t>
+            </a:r>
+            <a:r>
+              <a:rPr lang="pl-PL" sz="2800" dirty="0" smtClean="0">
+                <a:latin typeface="+mj-lt"/>
+              </a:rPr>
+              <a:t>, </a:t>
+            </a:r>
+            <a:r>
+              <a:rPr lang="pl-PL" sz="2800" dirty="0" smtClean="0">
+                <a:latin typeface="+mj-lt"/>
+              </a:rPr>
+              <a:t>systemu operacyjnego lub systemu czasu rzeczywistego.</a:t>
             </a:r>
           </a:p>
           <a:p>
@@ -5589,18 +7054,13 @@
               <a:rPr lang="pl-PL" sz="2800" dirty="0" smtClean="0">
                 <a:latin typeface="+mj-lt"/>
               </a:rPr>
-              <a:t>W porównaniu do niezależnych układów: </a:t>
-            </a:r>
-            <a:br>
+              <a:t>Zalety SoC: duża </a:t>
+            </a:r>
+            <a:r>
               <a:rPr lang="pl-PL" sz="2800" dirty="0" smtClean="0">
                 <a:latin typeface="+mj-lt"/>
               </a:rPr>
-            </a:br>
-            <a:r>
-              <a:rPr lang="pl-PL" sz="2800" dirty="0" smtClean="0">
-                <a:latin typeface="+mj-lt"/>
-              </a:rPr>
-              <a:t>większa wszechstronność, energooszczędność, niezawodność...</a:t>
+              <a:t>wszechstronność, energooszczędność, niezawodność...</a:t>
             </a:r>
           </a:p>
           <a:p>
@@ -5666,7 +7126,7 @@
       <p:sp>
         <p:nvSpPr>
           <p:cNvPr id="4098" name="Prostokąt 2">
-            <a:hlinkClick r:id="rId2"/>
+            <a:hlinkClick r:id="rId3"/>
           </p:cNvPr>
           <p:cNvSpPr>
             <a:spLocks noChangeArrowheads="1"/>
@@ -5882,8 +7342,17 @@
               <a:rPr lang="pl-PL" sz="2800" dirty="0" smtClean="0">
                 <a:latin typeface="+mj-lt"/>
               </a:rPr>
-              <a:t>System operacyjny PetaLinux</a:t>
-            </a:r>
+              <a:t>System </a:t>
+            </a:r>
+            <a:r>
+              <a:rPr lang="pl-PL" sz="2800" dirty="0" smtClean="0">
+                <a:latin typeface="+mj-lt"/>
+              </a:rPr>
+              <a:t>operacyjny</a:t>
+            </a:r>
+            <a:endParaRPr lang="pl-PL" sz="2800" dirty="0" smtClean="0">
+              <a:latin typeface="+mj-lt"/>
+            </a:endParaRPr>
           </a:p>
           <a:p>
             <a:pPr>
@@ -5926,9 +7395,6 @@
               </a:rPr>
               <a:t>Przerwania systemowe</a:t>
             </a:r>
-            <a:endParaRPr lang="pl-PL" sz="2800" dirty="0" smtClean="0">
-              <a:latin typeface="+mj-lt"/>
-            </a:endParaRPr>
           </a:p>
           <a:p>
             <a:pPr>
@@ -5951,7 +7417,7 @@
         </p:nvSpPr>
         <p:spPr>
           <a:xfrm>
-            <a:off x="6207819" y="2907308"/>
+            <a:off x="5628468" y="2907308"/>
             <a:ext cx="4317306" cy="3313881"/>
           </a:xfrm>
           <a:prstGeom prst="rect">
@@ -6237,7 +7703,7 @@
       <p:sp>
         <p:nvSpPr>
           <p:cNvPr id="4098" name="Prostokąt 2">
-            <a:hlinkClick r:id="rId2"/>
+            <a:hlinkClick r:id="rId3"/>
           </p:cNvPr>
           <p:cNvSpPr>
             <a:spLocks noChangeArrowheads="1"/>
@@ -6419,7 +7885,18 @@
           <a:p>
             <a:r>
               <a:rPr lang="pl-PL" dirty="0" smtClean="0"/>
-              <a:t>Integracja w systemach wizyjnych (1)</a:t>
+              <a:t>Integracja rozwiązań</a:t>
+            </a:r>
+            <a:br>
+              <a:rPr lang="pl-PL" dirty="0" smtClean="0"/>
+            </a:br>
+            <a:r>
+              <a:rPr lang="pl-PL" dirty="0" smtClean="0"/>
+              <a:t>w systemach </a:t>
+            </a:r>
+            <a:r>
+              <a:rPr lang="pl-PL" dirty="0" smtClean="0"/>
+              <a:t>wizyjnych (1)</a:t>
             </a:r>
             <a:endParaRPr lang="en-US" dirty="0"/>
           </a:p>
@@ -6453,8 +7930,17 @@
               <a:rPr lang="pl-PL" sz="2800" dirty="0" smtClean="0">
                 <a:latin typeface="+mj-lt"/>
               </a:rPr>
-              <a:t>Implementacja algorytmu równoległego na układzie programowalnym.</a:t>
-            </a:r>
+              <a:t>Implementacja algorytmu równoległego </a:t>
+            </a:r>
+            <a:r>
+              <a:rPr lang="pl-PL" sz="2800" dirty="0" smtClean="0">
+                <a:latin typeface="+mj-lt"/>
+              </a:rPr>
+              <a:t>w logice programowalnej.</a:t>
+            </a:r>
+            <a:endParaRPr lang="pl-PL" sz="2800" dirty="0" smtClean="0">
+              <a:latin typeface="+mj-lt"/>
+            </a:endParaRPr>
           </a:p>
           <a:p>
             <a:pPr>
@@ -6474,25 +7960,31 @@
               <a:rPr lang="pl-PL" sz="2800" dirty="0" smtClean="0">
                 <a:latin typeface="+mj-lt"/>
               </a:rPr>
-              <a:t>Analiza wyników i prezentacja z </a:t>
+              <a:t>Analiza wyników i </a:t>
             </a:r>
             <a:r>
               <a:rPr lang="pl-PL" sz="2800" dirty="0" smtClean="0">
                 <a:latin typeface="+mj-lt"/>
               </a:rPr>
-              <a:t>poziomu </a:t>
+              <a:t>ich prezentacja </a:t>
             </a:r>
             <a:r>
               <a:rPr lang="pl-PL" sz="2800" dirty="0" smtClean="0">
                 <a:latin typeface="+mj-lt"/>
               </a:rPr>
-              <a:t>aplikacji systemowej w </a:t>
+              <a:t>z poziomu aplikacji systemowej </a:t>
             </a:r>
             <a:r>
               <a:rPr lang="pl-PL" sz="2800" dirty="0" smtClean="0">
                 <a:latin typeface="+mj-lt"/>
               </a:rPr>
-              <a:t>linuxie.</a:t>
+              <a:t>PetaLinux</a:t>
+            </a:r>
+            <a:r>
+              <a:rPr lang="pl-PL" sz="2800" dirty="0" smtClean="0">
+                <a:latin typeface="+mj-lt"/>
+              </a:rPr>
+              <a:t>.</a:t>
             </a:r>
             <a:endParaRPr lang="en-US" sz="2800" dirty="0">
               <a:latin typeface="+mj-lt"/>
@@ -6549,11 +8041,11 @@
           <p:nvPr/>
         </p:nvPicPr>
         <p:blipFill>
-          <a:blip r:embed="rId2">
+          <a:blip r:embed="rId3">
             <a:extLst>
               <a:ext uri="{BEBA8EAE-BF5A-486C-A8C5-ECC9F3942E4B}">
                 <a14:imgProps xmlns:a14="http://schemas.microsoft.com/office/drawing/2010/main">
-                  <a14:imgLayer r:embed="rId3">
+                  <a14:imgLayer r:embed="rId4">
                     <a14:imgEffect>
                       <a14:backgroundRemoval t="0" b="100000" l="0" r="100000">
                         <a14:backgroundMark x1="54849" y1="61672" x2="54456" y2="99303"/>
@@ -6586,7 +8078,7 @@
       <p:sp>
         <p:nvSpPr>
           <p:cNvPr id="4098" name="Prostokąt 2">
-            <a:hlinkClick r:id="rId4"/>
+            <a:hlinkClick r:id="rId5"/>
           </p:cNvPr>
           <p:cNvSpPr>
             <a:spLocks noChangeArrowheads="1"/>
@@ -6748,33 +8240,6 @@
           <a:p>
             <a:pPr eaLnBrk="1"/>
             <a:endParaRPr lang="pl-PL" altLang="pl-PL"/>
-          </a:p>
-        </p:txBody>
-      </p:sp>
-      <p:sp>
-        <p:nvSpPr>
-          <p:cNvPr id="2" name="Title 1"/>
-          <p:cNvSpPr>
-            <a:spLocks noGrp="1"/>
-          </p:cNvSpPr>
-          <p:nvPr>
-            <p:ph type="title"/>
-          </p:nvPr>
-        </p:nvSpPr>
-        <p:spPr/>
-        <p:txBody>
-          <a:bodyPr/>
-          <a:lstStyle/>
-          <a:p>
-            <a:r>
-              <a:rPr lang="pl-PL" dirty="0" smtClean="0"/>
-              <a:t>Integracja w systemach wizyjnych </a:t>
-            </a:r>
-            <a:r>
-              <a:rPr lang="pl-PL" dirty="0" smtClean="0"/>
-              <a:t>(2)</a:t>
-            </a:r>
-            <a:endParaRPr lang="en-US" dirty="0"/>
           </a:p>
         </p:txBody>
       </p:sp>
@@ -6852,7 +8317,7 @@
             <p:nvPr/>
           </p:nvPicPr>
           <p:blipFill>
-            <a:blip r:embed="rId5">
+            <a:blip r:embed="rId6">
               <a:extLst>
                 <a:ext uri="{28A0092B-C50C-407E-A947-70E740481C1C}">
                   <a14:useLocalDpi xmlns:a14="http://schemas.microsoft.com/office/drawing/2010/main" val="0"/>
@@ -6882,7 +8347,7 @@
             <p:nvPr/>
           </p:nvPicPr>
           <p:blipFill>
-            <a:blip r:embed="rId6">
+            <a:blip r:embed="rId7">
               <a:extLst>
                 <a:ext uri="{28A0092B-C50C-407E-A947-70E740481C1C}">
                   <a14:useLocalDpi xmlns:a14="http://schemas.microsoft.com/office/drawing/2010/main" val="0"/>
@@ -6904,6 +8369,49 @@
           </p:spPr>
         </p:pic>
       </p:grpSp>
+      <p:sp>
+        <p:nvSpPr>
+          <p:cNvPr id="12" name="Title 1"/>
+          <p:cNvSpPr>
+            <a:spLocks noGrp="1"/>
+          </p:cNvSpPr>
+          <p:nvPr>
+            <p:ph type="title"/>
+          </p:nvPr>
+        </p:nvSpPr>
+        <p:spPr>
+          <a:xfrm>
+            <a:off x="735013" y="401638"/>
+            <a:ext cx="9210675" cy="1460500"/>
+          </a:xfrm>
+        </p:spPr>
+        <p:txBody>
+          <a:bodyPr/>
+          <a:lstStyle/>
+          <a:p>
+            <a:r>
+              <a:rPr lang="pl-PL" dirty="0" smtClean="0"/>
+              <a:t>Integracja rozwiązań</a:t>
+            </a:r>
+            <a:br>
+              <a:rPr lang="pl-PL" dirty="0" smtClean="0"/>
+            </a:br>
+            <a:r>
+              <a:rPr lang="pl-PL" dirty="0" smtClean="0"/>
+              <a:t>w systemach </a:t>
+            </a:r>
+            <a:r>
+              <a:rPr lang="pl-PL" dirty="0" smtClean="0"/>
+              <a:t>wizyjnych </a:t>
+            </a:r>
+            <a:r>
+              <a:rPr lang="pl-PL" dirty="0" smtClean="0"/>
+              <a:t>(2)</a:t>
+            </a:r>
+            <a:endParaRPr lang="en-US" dirty="0"/>
+          </a:p>
+        </p:txBody>
+      </p:sp>
     </p:spTree>
     <p:extLst>
       <p:ext uri="{BB962C8B-B14F-4D97-AF65-F5344CB8AC3E}">
@@ -6953,7 +8461,7 @@
           <p:nvPr/>
         </p:nvPicPr>
         <p:blipFill rotWithShape="1">
-          <a:blip r:embed="rId2"/>
+          <a:blip r:embed="rId3"/>
           <a:srcRect l="1250" t="8997" r="2500" b="3194"/>
           <a:stretch/>
         </p:blipFill>
@@ -6970,7 +8478,7 @@
       <p:sp>
         <p:nvSpPr>
           <p:cNvPr id="4098" name="Prostokąt 2">
-            <a:hlinkClick r:id="rId3"/>
+            <a:hlinkClick r:id="rId4"/>
           </p:cNvPr>
           <p:cNvSpPr>
             <a:spLocks noChangeArrowheads="1"/>
@@ -7137,33 +8645,6 @@
       </p:sp>
       <p:sp>
         <p:nvSpPr>
-          <p:cNvPr id="2" name="Title 1"/>
-          <p:cNvSpPr>
-            <a:spLocks noGrp="1"/>
-          </p:cNvSpPr>
-          <p:nvPr>
-            <p:ph type="title"/>
-          </p:nvPr>
-        </p:nvSpPr>
-        <p:spPr/>
-        <p:txBody>
-          <a:bodyPr/>
-          <a:lstStyle/>
-          <a:p>
-            <a:r>
-              <a:rPr lang="pl-PL" dirty="0" smtClean="0"/>
-              <a:t>Integracja w systemach wizyjnych </a:t>
-            </a:r>
-            <a:r>
-              <a:rPr lang="pl-PL" dirty="0" smtClean="0"/>
-              <a:t>(3)</a:t>
-            </a:r>
-            <a:endParaRPr lang="en-US" dirty="0"/>
-          </a:p>
-        </p:txBody>
-      </p:sp>
-      <p:sp>
-        <p:nvSpPr>
           <p:cNvPr id="3" name="Content Placeholder 2"/>
           <p:cNvSpPr>
             <a:spLocks noGrp="1"/>
@@ -7253,6 +8734,49 @@
             <a:endParaRPr lang="pl-PL" sz="3200" dirty="0" smtClean="0">
               <a:latin typeface="+mj-lt"/>
             </a:endParaRPr>
+          </a:p>
+        </p:txBody>
+      </p:sp>
+      <p:sp>
+        <p:nvSpPr>
+          <p:cNvPr id="9" name="Title 1"/>
+          <p:cNvSpPr>
+            <a:spLocks noGrp="1"/>
+          </p:cNvSpPr>
+          <p:nvPr>
+            <p:ph type="title"/>
+          </p:nvPr>
+        </p:nvSpPr>
+        <p:spPr>
+          <a:xfrm>
+            <a:off x="735013" y="401638"/>
+            <a:ext cx="9210675" cy="1460500"/>
+          </a:xfrm>
+        </p:spPr>
+        <p:txBody>
+          <a:bodyPr/>
+          <a:lstStyle/>
+          <a:p>
+            <a:r>
+              <a:rPr lang="pl-PL" dirty="0" smtClean="0"/>
+              <a:t>Integracja rozwiązań</a:t>
+            </a:r>
+            <a:br>
+              <a:rPr lang="pl-PL" dirty="0" smtClean="0"/>
+            </a:br>
+            <a:r>
+              <a:rPr lang="pl-PL" dirty="0" smtClean="0"/>
+              <a:t>w systemach </a:t>
+            </a:r>
+            <a:r>
+              <a:rPr lang="pl-PL" dirty="0" smtClean="0"/>
+              <a:t>wizyjnych </a:t>
+            </a:r>
+            <a:r>
+              <a:rPr lang="pl-PL" dirty="0" smtClean="0"/>
+              <a:t>(3)</a:t>
+            </a:r>
+            <a:endParaRPr lang="en-US" dirty="0"/>
           </a:p>
         </p:txBody>
       </p:sp>
